--- a/CodeFiles/SeleniumClass.pptx
+++ b/CodeFiles/SeleniumClass.pptx
@@ -5,7 +5,7 @@
     <p:sldMasterId id="2147483648" r:id="rId1"/>
   </p:sldMasterIdLst>
   <p:notesMasterIdLst>
-    <p:notesMasterId r:id="rId35"/>
+    <p:notesMasterId r:id="rId37"/>
   </p:notesMasterIdLst>
   <p:sldIdLst>
     <p:sldId id="256" r:id="rId2"/>
@@ -40,7 +40,9 @@
     <p:sldId id="286" r:id="rId31"/>
     <p:sldId id="287" r:id="rId32"/>
     <p:sldId id="288" r:id="rId33"/>
-    <p:sldId id="263" r:id="rId34"/>
+    <p:sldId id="290" r:id="rId34"/>
+    <p:sldId id="263" r:id="rId35"/>
+    <p:sldId id="289" r:id="rId36"/>
   </p:sldIdLst>
   <p:sldSz cx="12192000" cy="6858000"/>
   <p:notesSz cx="6858000" cy="9144000"/>
@@ -561,7 +563,7 @@
           <a:p>
             <a:fld id="{66739504-10F4-4159-9E0C-306C353A655B}" type="slidenum">
               <a:rPr lang="en-US" smtClean="0"/>
-              <a:t>33</a:t>
+              <a:t>34</a:t>
             </a:fld>
             <a:endParaRPr lang="en-US"/>
           </a:p>
@@ -9012,6 +9014,94 @@
           <p:cNvPr id="2" name="Title 1">
             <a:extLst>
               <a:ext uri="{FF2B5EF4-FFF2-40B4-BE49-F238E27FC236}">
+                <a16:creationId xmlns:a16="http://schemas.microsoft.com/office/drawing/2014/main" id="{78064754-82D9-4D05-B662-F1B1350B8820}"/>
+              </a:ext>
+            </a:extLst>
+          </p:cNvPr>
+          <p:cNvSpPr>
+            <a:spLocks noGrp="1"/>
+          </p:cNvSpPr>
+          <p:nvPr>
+            <p:ph type="title"/>
+          </p:nvPr>
+        </p:nvSpPr>
+        <p:spPr/>
+        <p:txBody>
+          <a:bodyPr/>
+          <a:lstStyle/>
+          <a:p>
+            <a:r>
+              <a:rPr lang="en-US" dirty="0"/>
+              <a:t>Framework:</a:t>
+            </a:r>
+          </a:p>
+        </p:txBody>
+      </p:sp>
+      <p:pic>
+        <p:nvPicPr>
+          <p:cNvPr id="4" name="Picture 3">
+            <a:extLst>
+              <a:ext uri="{FF2B5EF4-FFF2-40B4-BE49-F238E27FC236}">
+                <a16:creationId xmlns:a16="http://schemas.microsoft.com/office/drawing/2014/main" id="{1EB9F316-71D9-448D-A3E0-360841C94715}"/>
+              </a:ext>
+            </a:extLst>
+          </p:cNvPr>
+          <p:cNvPicPr>
+            <a:picLocks noChangeAspect="1"/>
+          </p:cNvPicPr>
+          <p:nvPr/>
+        </p:nvPicPr>
+        <p:blipFill>
+          <a:blip r:embed="rId2"/>
+          <a:stretch>
+            <a:fillRect/>
+          </a:stretch>
+        </p:blipFill>
+        <p:spPr>
+          <a:xfrm>
+            <a:off x="271409" y="1269211"/>
+            <a:ext cx="11082391" cy="4845858"/>
+          </a:xfrm>
+          <a:prstGeom prst="rect">
+            <a:avLst/>
+          </a:prstGeom>
+        </p:spPr>
+      </p:pic>
+    </p:spTree>
+    <p:extLst>
+      <p:ext uri="{BB962C8B-B14F-4D97-AF65-F5344CB8AC3E}">
+        <p14:creationId xmlns:p14="http://schemas.microsoft.com/office/powerpoint/2010/main" val="2001397876"/>
+      </p:ext>
+    </p:extLst>
+  </p:cSld>
+  <p:clrMapOvr>
+    <a:masterClrMapping/>
+  </p:clrMapOvr>
+</p:sld>
+</file>
+
+<file path=ppt/slides/slide34.xml><?xml version="1.0" encoding="utf-8"?>
+<p:sld xmlns:a="http://schemas.openxmlformats.org/drawingml/2006/main" xmlns:r="http://schemas.openxmlformats.org/officeDocument/2006/relationships" xmlns:p="http://schemas.openxmlformats.org/presentationml/2006/main">
+  <p:cSld>
+    <p:spTree>
+      <p:nvGrpSpPr>
+        <p:cNvPr id="1" name=""/>
+        <p:cNvGrpSpPr/>
+        <p:nvPr/>
+      </p:nvGrpSpPr>
+      <p:grpSpPr>
+        <a:xfrm>
+          <a:off x="0" y="0"/>
+          <a:ext cx="0" cy="0"/>
+          <a:chOff x="0" y="0"/>
+          <a:chExt cx="0" cy="0"/>
+        </a:xfrm>
+      </p:grpSpPr>
+      <p:sp>
+        <p:nvSpPr>
+          <p:cNvPr id="2" name="Title 1">
+            <a:extLst>
+              <a:ext uri="{FF2B5EF4-FFF2-40B4-BE49-F238E27FC236}">
                 <a16:creationId xmlns:a16="http://schemas.microsoft.com/office/drawing/2014/main" id="{DB72E741-1CBE-4C4A-AFF6-53FEC5F3AD19}"/>
               </a:ext>
             </a:extLst>
@@ -9087,13 +9177,21 @@
           </a:p>
           <a:p>
             <a:r>
-              <a:rPr lang="en-US" dirty="0"/>
+              <a:rPr lang="en-US" dirty="0">
+                <a:highlight>
+                  <a:srgbClr val="00FF00"/>
+                </a:highlight>
+              </a:rPr>
               <a:t>Framework</a:t>
             </a:r>
           </a:p>
           <a:p>
             <a:r>
-              <a:rPr lang="en-US" dirty="0"/>
+              <a:rPr lang="en-US" dirty="0">
+                <a:highlight>
+                  <a:srgbClr val="00FF00"/>
+                </a:highlight>
+              </a:rPr>
               <a:t>Jenkins</a:t>
             </a:r>
           </a:p>
@@ -9103,6 +9201,94 @@
     <p:extLst>
       <p:ext uri="{BB962C8B-B14F-4D97-AF65-F5344CB8AC3E}">
         <p14:creationId xmlns:p14="http://schemas.microsoft.com/office/powerpoint/2010/main" val="3036312"/>
+      </p:ext>
+    </p:extLst>
+  </p:cSld>
+  <p:clrMapOvr>
+    <a:masterClrMapping/>
+  </p:clrMapOvr>
+</p:sld>
+</file>
+
+<file path=ppt/slides/slide35.xml><?xml version="1.0" encoding="utf-8"?>
+<p:sld xmlns:a="http://schemas.openxmlformats.org/drawingml/2006/main" xmlns:r="http://schemas.openxmlformats.org/officeDocument/2006/relationships" xmlns:p="http://schemas.openxmlformats.org/presentationml/2006/main">
+  <p:cSld>
+    <p:spTree>
+      <p:nvGrpSpPr>
+        <p:cNvPr id="1" name=""/>
+        <p:cNvGrpSpPr/>
+        <p:nvPr/>
+      </p:nvGrpSpPr>
+      <p:grpSpPr>
+        <a:xfrm>
+          <a:off x="0" y="0"/>
+          <a:ext cx="0" cy="0"/>
+          <a:chOff x="0" y="0"/>
+          <a:chExt cx="0" cy="0"/>
+        </a:xfrm>
+      </p:grpSpPr>
+      <p:sp>
+        <p:nvSpPr>
+          <p:cNvPr id="2" name="Title 1">
+            <a:extLst>
+              <a:ext uri="{FF2B5EF4-FFF2-40B4-BE49-F238E27FC236}">
+                <a16:creationId xmlns:a16="http://schemas.microsoft.com/office/drawing/2014/main" id="{B26DA99B-1047-40A3-9BF7-9973F9E036CF}"/>
+              </a:ext>
+            </a:extLst>
+          </p:cNvPr>
+          <p:cNvSpPr>
+            <a:spLocks noGrp="1"/>
+          </p:cNvSpPr>
+          <p:nvPr>
+            <p:ph type="title"/>
+          </p:nvPr>
+        </p:nvSpPr>
+        <p:spPr/>
+        <p:txBody>
+          <a:bodyPr/>
+          <a:lstStyle/>
+          <a:p>
+            <a:r>
+              <a:rPr lang="en-US" dirty="0"/>
+              <a:t>Jenkins plugins for Automation:</a:t>
+            </a:r>
+          </a:p>
+        </p:txBody>
+      </p:sp>
+      <p:pic>
+        <p:nvPicPr>
+          <p:cNvPr id="4" name="Picture 3">
+            <a:extLst>
+              <a:ext uri="{FF2B5EF4-FFF2-40B4-BE49-F238E27FC236}">
+                <a16:creationId xmlns:a16="http://schemas.microsoft.com/office/drawing/2014/main" id="{06D75978-97DA-4C5E-B472-8CD75ACB8EC6}"/>
+              </a:ext>
+            </a:extLst>
+          </p:cNvPr>
+          <p:cNvPicPr>
+            <a:picLocks noChangeAspect="1"/>
+          </p:cNvPicPr>
+          <p:nvPr/>
+        </p:nvPicPr>
+        <p:blipFill>
+          <a:blip r:embed="rId2"/>
+          <a:stretch>
+            <a:fillRect/>
+          </a:stretch>
+        </p:blipFill>
+        <p:spPr>
+          <a:xfrm>
+            <a:off x="636998" y="2055613"/>
+            <a:ext cx="9719353" cy="2746774"/>
+          </a:xfrm>
+          <a:prstGeom prst="rect">
+            <a:avLst/>
+          </a:prstGeom>
+        </p:spPr>
+      </p:pic>
+    </p:spTree>
+    <p:extLst>
+      <p:ext uri="{BB962C8B-B14F-4D97-AF65-F5344CB8AC3E}">
+        <p14:creationId xmlns:p14="http://schemas.microsoft.com/office/powerpoint/2010/main" val="1849392248"/>
       </p:ext>
     </p:extLst>
   </p:cSld>
